--- a/Docs/Sorting service.pptx
+++ b/Docs/Sorting service.pptx
@@ -9,6 +9,7 @@
     <p:sldId id="257" r:id="rId3"/>
     <p:sldId id="259" r:id="rId4"/>
     <p:sldId id="260" r:id="rId5"/>
+    <p:sldId id="261" r:id="rId6"/>
   </p:sldIdLst>
   <p:sldSz cx="12192000" cy="6858000"/>
   <p:notesSz cx="6858000" cy="9144000"/>
@@ -107,6 +108,11 @@
       </a:defRPr>
     </a:lvl9pPr>
   </p:defaultTextStyle>
+  <p:extLst>
+    <p:ext uri="{EFAFB233-063F-42B5-8137-9DF3F51BA10A}">
+      <p15:sldGuideLst xmlns:p15="http://schemas.microsoft.com/office/powerpoint/2012/main"/>
+    </p:ext>
+  </p:extLst>
 </p:presentation>
 </file>
 
@@ -259,7 +265,7 @@
           <a:p>
             <a:fld id="{AC365E4C-A742-4DDC-AD3A-ADB0DDEDAADF}" type="datetimeFigureOut">
               <a:rPr lang="da-DK" smtClean="0"/>
-              <a:t>13-03-2021</a:t>
+              <a:t>15-03-2021</a:t>
             </a:fld>
             <a:endParaRPr lang="da-DK"/>
           </a:p>
@@ -459,7 +465,7 @@
           <a:p>
             <a:fld id="{AC365E4C-A742-4DDC-AD3A-ADB0DDEDAADF}" type="datetimeFigureOut">
               <a:rPr lang="da-DK" smtClean="0"/>
-              <a:t>13-03-2021</a:t>
+              <a:t>15-03-2021</a:t>
             </a:fld>
             <a:endParaRPr lang="da-DK"/>
           </a:p>
@@ -669,7 +675,7 @@
           <a:p>
             <a:fld id="{AC365E4C-A742-4DDC-AD3A-ADB0DDEDAADF}" type="datetimeFigureOut">
               <a:rPr lang="da-DK" smtClean="0"/>
-              <a:t>13-03-2021</a:t>
+              <a:t>15-03-2021</a:t>
             </a:fld>
             <a:endParaRPr lang="da-DK"/>
           </a:p>
@@ -869,7 +875,7 @@
           <a:p>
             <a:fld id="{AC365E4C-A742-4DDC-AD3A-ADB0DDEDAADF}" type="datetimeFigureOut">
               <a:rPr lang="da-DK" smtClean="0"/>
-              <a:t>13-03-2021</a:t>
+              <a:t>15-03-2021</a:t>
             </a:fld>
             <a:endParaRPr lang="da-DK"/>
           </a:p>
@@ -1145,7 +1151,7 @@
           <a:p>
             <a:fld id="{AC365E4C-A742-4DDC-AD3A-ADB0DDEDAADF}" type="datetimeFigureOut">
               <a:rPr lang="da-DK" smtClean="0"/>
-              <a:t>13-03-2021</a:t>
+              <a:t>15-03-2021</a:t>
             </a:fld>
             <a:endParaRPr lang="da-DK"/>
           </a:p>
@@ -1413,7 +1419,7 @@
           <a:p>
             <a:fld id="{AC365E4C-A742-4DDC-AD3A-ADB0DDEDAADF}" type="datetimeFigureOut">
               <a:rPr lang="da-DK" smtClean="0"/>
-              <a:t>13-03-2021</a:t>
+              <a:t>15-03-2021</a:t>
             </a:fld>
             <a:endParaRPr lang="da-DK"/>
           </a:p>
@@ -1828,7 +1834,7 @@
           <a:p>
             <a:fld id="{AC365E4C-A742-4DDC-AD3A-ADB0DDEDAADF}" type="datetimeFigureOut">
               <a:rPr lang="da-DK" smtClean="0"/>
-              <a:t>13-03-2021</a:t>
+              <a:t>15-03-2021</a:t>
             </a:fld>
             <a:endParaRPr lang="da-DK"/>
           </a:p>
@@ -1970,7 +1976,7 @@
           <a:p>
             <a:fld id="{AC365E4C-A742-4DDC-AD3A-ADB0DDEDAADF}" type="datetimeFigureOut">
               <a:rPr lang="da-DK" smtClean="0"/>
-              <a:t>13-03-2021</a:t>
+              <a:t>15-03-2021</a:t>
             </a:fld>
             <a:endParaRPr lang="da-DK"/>
           </a:p>
@@ -2083,7 +2089,7 @@
           <a:p>
             <a:fld id="{AC365E4C-A742-4DDC-AD3A-ADB0DDEDAADF}" type="datetimeFigureOut">
               <a:rPr lang="da-DK" smtClean="0"/>
-              <a:t>13-03-2021</a:t>
+              <a:t>15-03-2021</a:t>
             </a:fld>
             <a:endParaRPr lang="da-DK"/>
           </a:p>
@@ -2396,7 +2402,7 @@
           <a:p>
             <a:fld id="{AC365E4C-A742-4DDC-AD3A-ADB0DDEDAADF}" type="datetimeFigureOut">
               <a:rPr lang="da-DK" smtClean="0"/>
-              <a:t>13-03-2021</a:t>
+              <a:t>15-03-2021</a:t>
             </a:fld>
             <a:endParaRPr lang="da-DK"/>
           </a:p>
@@ -2685,7 +2691,7 @@
           <a:p>
             <a:fld id="{AC365E4C-A742-4DDC-AD3A-ADB0DDEDAADF}" type="datetimeFigureOut">
               <a:rPr lang="da-DK" smtClean="0"/>
-              <a:t>13-03-2021</a:t>
+              <a:t>15-03-2021</a:t>
             </a:fld>
             <a:endParaRPr lang="da-DK"/>
           </a:p>
@@ -2928,7 +2934,7 @@
           <a:p>
             <a:fld id="{AC365E4C-A742-4DDC-AD3A-ADB0DDEDAADF}" type="datetimeFigureOut">
               <a:rPr lang="da-DK" smtClean="0"/>
-              <a:t>13-03-2021</a:t>
+              <a:t>15-03-2021</a:t>
             </a:fld>
             <a:endParaRPr lang="da-DK"/>
           </a:p>
@@ -5189,10 +5195,10 @@
       </p:grpSp>
       <p:pic>
         <p:nvPicPr>
-          <p:cNvPr id="6" name="Picture 5">
-            <a:extLst>
-              <a:ext uri="{FF2B5EF4-FFF2-40B4-BE49-F238E27FC236}">
-                <a16:creationId xmlns:a16="http://schemas.microsoft.com/office/drawing/2014/main" id="{8BB1EACE-C7B6-43A9-977F-F8DA7440BD91}"/>
+          <p:cNvPr id="3" name="Picture 2">
+            <a:extLst>
+              <a:ext uri="{FF2B5EF4-FFF2-40B4-BE49-F238E27FC236}">
+                <a16:creationId xmlns:a16="http://schemas.microsoft.com/office/drawing/2014/main" id="{6EB9F159-473B-408F-AEF9-3DF1036774EE}"/>
               </a:ext>
             </a:extLst>
           </p:cNvPr>
@@ -5209,8 +5215,8 @@
         </p:blipFill>
         <p:spPr>
           <a:xfrm>
-            <a:off x="1736521" y="80495"/>
-            <a:ext cx="9152389" cy="6697010"/>
+            <a:off x="980378" y="0"/>
+            <a:ext cx="10231244" cy="6858000"/>
           </a:xfrm>
           <a:prstGeom prst="rect">
             <a:avLst/>
@@ -5221,6 +5227,185 @@
     <p:extLst>
       <p:ext uri="{BB962C8B-B14F-4D97-AF65-F5344CB8AC3E}">
         <p14:creationId xmlns:p14="http://schemas.microsoft.com/office/powerpoint/2010/main" val="1821121288"/>
+      </p:ext>
+    </p:extLst>
+  </p:cSld>
+  <p:clrMapOvr>
+    <a:masterClrMapping/>
+  </p:clrMapOvr>
+</p:sld>
+</file>
+
+<file path=ppt/slides/slide5.xml><?xml version="1.0" encoding="utf-8"?>
+<p:sld xmlns:a="http://schemas.openxmlformats.org/drawingml/2006/main" xmlns:r="http://schemas.openxmlformats.org/officeDocument/2006/relationships" xmlns:p="http://schemas.openxmlformats.org/presentationml/2006/main">
+  <p:cSld>
+    <p:spTree>
+      <p:nvGrpSpPr>
+        <p:cNvPr id="1" name=""/>
+        <p:cNvGrpSpPr/>
+        <p:nvPr/>
+      </p:nvGrpSpPr>
+      <p:grpSpPr>
+        <a:xfrm>
+          <a:off x="0" y="0"/>
+          <a:ext cx="0" cy="0"/>
+          <a:chOff x="0" y="0"/>
+          <a:chExt cx="0" cy="0"/>
+        </a:xfrm>
+      </p:grpSpPr>
+      <p:sp>
+        <p:nvSpPr>
+          <p:cNvPr id="2" name="Title 1">
+            <a:extLst>
+              <a:ext uri="{FF2B5EF4-FFF2-40B4-BE49-F238E27FC236}">
+                <a16:creationId xmlns:a16="http://schemas.microsoft.com/office/drawing/2014/main" id="{4256757A-0F21-4625-A3D6-457F7E35D5E2}"/>
+              </a:ext>
+            </a:extLst>
+          </p:cNvPr>
+          <p:cNvSpPr>
+            <a:spLocks noGrp="1"/>
+          </p:cNvSpPr>
+          <p:nvPr>
+            <p:ph type="title"/>
+          </p:nvPr>
+        </p:nvSpPr>
+        <p:spPr/>
+        <p:txBody>
+          <a:bodyPr/>
+          <a:lstStyle/>
+          <a:p>
+            <a:r>
+              <a:rPr lang="en-US" dirty="0"/>
+              <a:t>RoadMap</a:t>
+            </a:r>
+            <a:endParaRPr lang="da-DK" dirty="0"/>
+          </a:p>
+        </p:txBody>
+      </p:sp>
+      <p:sp>
+        <p:nvSpPr>
+          <p:cNvPr id="3" name="Content Placeholder 2">
+            <a:extLst>
+              <a:ext uri="{FF2B5EF4-FFF2-40B4-BE49-F238E27FC236}">
+                <a16:creationId xmlns:a16="http://schemas.microsoft.com/office/drawing/2014/main" id="{5082E9FD-08D1-455B-BC9D-438C06341398}"/>
+              </a:ext>
+            </a:extLst>
+          </p:cNvPr>
+          <p:cNvSpPr>
+            <a:spLocks noGrp="1"/>
+          </p:cNvSpPr>
+          <p:nvPr>
+            <p:ph idx="1"/>
+          </p:nvPr>
+        </p:nvSpPr>
+        <p:spPr/>
+        <p:txBody>
+          <a:bodyPr>
+            <a:normAutofit/>
+          </a:bodyPr>
+          <a:lstStyle/>
+          <a:p>
+            <a:r>
+              <a:rPr lang="en-US" sz="1200" dirty="0"/>
+              <a:t>Milestone 0</a:t>
+            </a:r>
+          </a:p>
+          <a:p>
+            <a:pPr lvl="1"/>
+            <a:r>
+              <a:rPr lang="en-US" sz="1200" dirty="0"/>
+              <a:t>POC (working solution ready for preliminary performance/resiliency testing</a:t>
+            </a:r>
+          </a:p>
+          <a:p>
+            <a:pPr lvl="1"/>
+            <a:r>
+              <a:rPr lang="en-US" sz="1200" dirty="0"/>
+              <a:t>Demo</a:t>
+            </a:r>
+          </a:p>
+          <a:p>
+            <a:r>
+              <a:rPr lang="en-US" sz="1200" dirty="0"/>
+              <a:t> Milestone 1 (MVP version)</a:t>
+            </a:r>
+          </a:p>
+          <a:p>
+            <a:pPr lvl="1"/>
+            <a:r>
+              <a:rPr lang="en-US" sz="1200" dirty="0"/>
+              <a:t>production reediness</a:t>
+            </a:r>
+          </a:p>
+          <a:p>
+            <a:pPr lvl="1"/>
+            <a:r>
+              <a:rPr lang="en-US" sz="1200" dirty="0"/>
+              <a:t>Team onboarding, Addressing Technical debts, Tests coverage, App Monitoring, CI/CD</a:t>
+            </a:r>
+          </a:p>
+          <a:p>
+            <a:pPr lvl="1"/>
+            <a:r>
+              <a:rPr lang="en-US" sz="1200" dirty="0"/>
+              <a:t>Release procedures</a:t>
+            </a:r>
+          </a:p>
+          <a:p>
+            <a:pPr lvl="2"/>
+            <a:r>
+              <a:rPr lang="en-US" sz="1200" dirty="0"/>
+              <a:t>Documentation, Chaos testing, Load testing, Dashboards, Alerts definitions, Services runbooks   </a:t>
+            </a:r>
+          </a:p>
+          <a:p>
+            <a:r>
+              <a:rPr lang="en-US" sz="1200" dirty="0"/>
+              <a:t>Milestone2 (</a:t>
+            </a:r>
+            <a:r>
+              <a:rPr lang="en-US" sz="1200" dirty="0" err="1"/>
+              <a:t>Stabilisation</a:t>
+            </a:r>
+            <a:r>
+              <a:rPr lang="en-US" sz="1200" dirty="0"/>
+              <a:t>)</a:t>
+            </a:r>
+          </a:p>
+          <a:p>
+            <a:pPr lvl="1"/>
+            <a:r>
+              <a:rPr lang="en-US" sz="1200" dirty="0"/>
+              <a:t>Fixing bugs, optimizations/improvements,  collecting feedback </a:t>
+            </a:r>
+          </a:p>
+          <a:p>
+            <a:r>
+              <a:rPr lang="en-US" sz="1400" dirty="0"/>
+              <a:t>Milestone3 (Performance improvements )</a:t>
+            </a:r>
+          </a:p>
+          <a:p>
+            <a:pPr lvl="1"/>
+            <a:r>
+              <a:rPr lang="en-US" sz="1200" dirty="0"/>
+              <a:t>Performance testing/tuning/improvements</a:t>
+            </a:r>
+          </a:p>
+          <a:p>
+            <a:pPr lvl="1"/>
+            <a:r>
+              <a:rPr lang="en-US" sz="1200" dirty="0"/>
+              <a:t>Operational costs optimizations</a:t>
+            </a:r>
+            <a:endParaRPr lang="da-DK" sz="1200" dirty="0"/>
+          </a:p>
+        </p:txBody>
+      </p:sp>
+    </p:spTree>
+    <p:extLst>
+      <p:ext uri="{BB962C8B-B14F-4D97-AF65-F5344CB8AC3E}">
+        <p14:creationId xmlns:p14="http://schemas.microsoft.com/office/powerpoint/2010/main" val="282733811"/>
       </p:ext>
     </p:extLst>
   </p:cSld>
